--- a/Internship project ppt.pptx
+++ b/Internship project ppt.pptx
@@ -121,6 +121,11 @@
       </a:defRPr>
     </a:lvl9pPr>
   </p:defaultTextStyle>
+  <p:extLst>
+    <p:ext uri="{EFAFB233-063F-42B5-8137-9DF3F51BA10A}">
+      <p15:sldGuideLst xmlns:p15="http://schemas.microsoft.com/office/powerpoint/2012/main"/>
+    </p:ext>
+  </p:extLst>
 </p:presentation>
 </file>
 
@@ -218,7 +223,7 @@
           <a:p>
             <a:fld id="{D2EE672E-E91B-4C9C-89F5-032EC7600647}" type="datetimeFigureOut">
               <a:rPr lang="en-IN" smtClean="0"/>
-              <a:t>23-02-2023</a:t>
+              <a:t>22-05-2023</a:t>
             </a:fld>
             <a:endParaRPr lang="en-IN"/>
           </a:p>
@@ -8041,7 +8046,7 @@
               <a:t>: </a:t>
             </a:r>
             <a:r>
-              <a:rPr lang="en-IN" altLang="en-US" sz="2000" dirty="0">
+              <a:rPr lang="en-IN" altLang="en-US" sz="2000" dirty="0" smtClean="0">
                 <a:solidFill>
                   <a:schemeClr val="tx1"/>
                 </a:solidFill>
@@ -8050,50 +8055,17 @@
                 <a:cs typeface="Times New Roman" panose="02020603050405020304"/>
                 <a:sym typeface="Times New Roman" panose="02020603050405020304"/>
               </a:rPr>
-              <a:t>Kiran</a:t>
-            </a:r>
-            <a:r>
-              <a:rPr lang="en-IN" altLang="en-US" sz="2000" dirty="0">
-                <a:latin typeface="Times New Roman" panose="02020603050405020304"/>
-                <a:ea typeface="Times New Roman" panose="02020603050405020304"/>
-                <a:cs typeface="Times New Roman" panose="02020603050405020304"/>
-                <a:sym typeface="Times New Roman" panose="02020603050405020304"/>
-              </a:rPr>
-              <a:t> </a:t>
-            </a:r>
-            <a:r>
-              <a:rPr lang="en-IN" altLang="en-US" sz="2000" dirty="0">
-                <a:solidFill>
-                  <a:schemeClr val="tx1"/>
-                </a:solidFill>
-                <a:latin typeface="Times New Roman" panose="02020603050405020304"/>
-                <a:ea typeface="Times New Roman" panose="02020603050405020304"/>
-                <a:cs typeface="Times New Roman" panose="02020603050405020304"/>
-                <a:sym typeface="Times New Roman" panose="02020603050405020304"/>
-              </a:rPr>
-              <a:t>Yadav</a:t>
-            </a:r>
-            <a:r>
-              <a:rPr lang="en-IN" altLang="en-US" sz="2000" dirty="0">
-                <a:latin typeface="Times New Roman" panose="02020603050405020304"/>
-                <a:ea typeface="Times New Roman" panose="02020603050405020304"/>
-                <a:cs typeface="Times New Roman" panose="02020603050405020304"/>
-                <a:sym typeface="Times New Roman" panose="02020603050405020304"/>
-              </a:rPr>
-              <a:t> </a:t>
-            </a:r>
-            <a:r>
-              <a:rPr lang="en-IN" altLang="en-US" sz="2000" dirty="0">
-                <a:solidFill>
-                  <a:schemeClr val="tx1"/>
-                </a:solidFill>
-                <a:latin typeface="Times New Roman" panose="02020603050405020304"/>
-                <a:ea typeface="Times New Roman" panose="02020603050405020304"/>
-                <a:cs typeface="Times New Roman" panose="02020603050405020304"/>
-                <a:sym typeface="Times New Roman" panose="02020603050405020304"/>
-              </a:rPr>
-              <a:t>S</a:t>
-            </a:r>
+              <a:t>Nitish K</a:t>
+            </a:r>
+            <a:endParaRPr lang="en-IN" altLang="en-US" sz="2000" dirty="0">
+              <a:solidFill>
+                <a:schemeClr val="tx1"/>
+              </a:solidFill>
+              <a:latin typeface="Times New Roman" panose="02020603050405020304"/>
+              <a:ea typeface="Times New Roman" panose="02020603050405020304"/>
+              <a:cs typeface="Times New Roman" panose="02020603050405020304"/>
+              <a:sym typeface="Times New Roman" panose="02020603050405020304"/>
+            </a:endParaRPr>
           </a:p>
           <a:p>
             <a:pPr marL="0" lvl="0" indent="0" algn="l" rtl="0">
@@ -8143,7 +8115,7 @@
               <a:t>    : </a:t>
             </a:r>
             <a:r>
-              <a:rPr lang="en-IN" sz="2000" dirty="0">
+              <a:rPr lang="en-IN" sz="2000" dirty="0" smtClean="0">
                 <a:solidFill>
                   <a:schemeClr val="tx1"/>
                 </a:solidFill>
@@ -8152,7 +8124,7 @@
                 <a:cs typeface="Times New Roman" panose="02020603050405020304"/>
                 <a:sym typeface="Times New Roman" panose="02020603050405020304"/>
               </a:rPr>
-              <a:t>1RN19CS067</a:t>
+              <a:t>1RN19CS092</a:t>
             </a:r>
             <a:endParaRPr sz="2000" dirty="0">
               <a:solidFill>
@@ -8175,7 +8147,7 @@
         <p:spPr>
           <a:xfrm>
             <a:off x="7039299" y="3137533"/>
-            <a:ext cx="3718897" cy="400069"/>
+            <a:ext cx="3904472" cy="400069"/>
           </a:xfrm>
           <a:prstGeom prst="rect">
             <a:avLst/>
@@ -8221,7 +8193,7 @@
               <a:t>Guide: Asst. Prof. Ms. </a:t>
             </a:r>
             <a:r>
-              <a:rPr lang="en-US" sz="2000" b="0" i="0" u="none" strike="noStrike" cap="none" dirty="0" err="1">
+              <a:rPr lang="en-US" sz="2000" b="0" i="0" u="none" strike="noStrike" cap="none" dirty="0" smtClean="0">
                 <a:solidFill>
                   <a:schemeClr val="dk1"/>
                 </a:solidFill>
@@ -8230,7 +8202,7 @@
                 <a:cs typeface="Times New Roman" panose="02020603050405020304"/>
                 <a:sym typeface="Times New Roman" panose="02020603050405020304"/>
               </a:rPr>
-              <a:t>Supritha</a:t>
+              <a:t>Yashasvi B </a:t>
             </a:r>
             <a:r>
               <a:rPr lang="en-US" sz="2000" b="0" i="0" u="none" strike="noStrike" cap="none" dirty="0">
@@ -8242,7 +8214,7 @@
                 <a:cs typeface="Times New Roman" panose="02020603050405020304"/>
                 <a:sym typeface="Times New Roman" panose="02020603050405020304"/>
               </a:rPr>
-              <a:t> N</a:t>
+              <a:t>N</a:t>
             </a:r>
             <a:endParaRPr sz="1600" b="0" i="0" u="none" strike="noStrike" cap="none" dirty="0">
               <a:solidFill>
@@ -8324,12 +8296,12 @@
           <a:graphicData uri="http://schemas.openxmlformats.org/presentationml/2006/ole">
             <mc:AlternateContent xmlns:mc="http://schemas.openxmlformats.org/markup-compatibility/2006">
               <mc:Choice xmlns:v="urn:schemas-microsoft-com:vml" Requires="v">
-                <p:oleObj r:id="rId3" imgW="8362950" imgH="10839450" progId="Word.Picture.8">
+                <p:oleObj spid="_x0000_s1026" r:id="rId4" imgW="8362950" imgH="10839450" progId="Word.Picture.8">
                   <p:embed/>
                 </p:oleObj>
               </mc:Choice>
               <mc:Fallback>
-                <p:oleObj r:id="rId3" imgW="8362950" imgH="10839450" progId="Word.Picture.8">
+                <p:oleObj r:id="rId4" imgW="8362950" imgH="10839450" progId="Word.Picture.8">
                   <p:embed/>
                   <p:pic>
                     <p:nvPicPr>
@@ -8338,7 +8310,7 @@
                       <p:nvPr/>
                     </p:nvPicPr>
                     <p:blipFill rotWithShape="1">
-                      <a:blip r:embed="rId4"/>
+                      <a:blip r:embed="rId5"/>
                       <a:srcRect/>
                       <a:stretch>
                         <a:fillRect/>
@@ -8517,7 +8489,7 @@
           <p:nvPr/>
         </p:nvPicPr>
         <p:blipFill rotWithShape="1">
-          <a:blip r:embed="rId5"/>
+          <a:blip r:embed="rId6"/>
           <a:srcRect/>
           <a:stretch>
             <a:fillRect/>
@@ -8603,7 +8575,7 @@
               </a:rPr>
               <a:t>RESULTS AND DEMONSTRATION</a:t>
             </a:r>
-            <a:br>
+            <a:r>
               <a:rPr lang="en-US" sz="4400" dirty="0">
                 <a:solidFill>
                   <a:schemeClr val="tx1"/>
@@ -8613,7 +8585,28 @@
                 <a:cs typeface="Times New Roman" panose="02020603050405020304"/>
                 <a:sym typeface="Times New Roman" panose="02020603050405020304"/>
               </a:rPr>
+              <a:t/>
+            </a:r>
+            <a:br>
+              <a:rPr lang="en-US" sz="4400" dirty="0">
+                <a:solidFill>
+                  <a:schemeClr val="tx1"/>
+                </a:solidFill>
+                <a:latin typeface="Times New Roman" panose="02020603050405020304"/>
+                <a:ea typeface="Times New Roman" panose="02020603050405020304"/>
+                <a:cs typeface="Times New Roman" panose="02020603050405020304"/>
+                <a:sym typeface="Times New Roman" panose="02020603050405020304"/>
+              </a:rPr>
             </a:br>
+            <a:r>
+              <a:rPr lang="en-US" sz="4400" dirty="0">
+                <a:latin typeface="Times New Roman" panose="02020603050405020304"/>
+                <a:ea typeface="Times New Roman" panose="02020603050405020304"/>
+                <a:cs typeface="Times New Roman" panose="02020603050405020304"/>
+                <a:sym typeface="Times New Roman" panose="02020603050405020304"/>
+              </a:rPr>
+              <a:t/>
+            </a:r>
             <a:br>
               <a:rPr lang="en-US" sz="4400" dirty="0">
                 <a:latin typeface="Times New Roman" panose="02020603050405020304"/>
@@ -8622,6 +8615,15 @@
                 <a:sym typeface="Times New Roman" panose="02020603050405020304"/>
               </a:rPr>
             </a:br>
+            <a:r>
+              <a:rPr lang="en-US" sz="4400" dirty="0">
+                <a:latin typeface="Times New Roman" panose="02020603050405020304"/>
+                <a:ea typeface="Times New Roman" panose="02020603050405020304"/>
+                <a:cs typeface="Times New Roman" panose="02020603050405020304"/>
+                <a:sym typeface="Times New Roman" panose="02020603050405020304"/>
+              </a:rPr>
+              <a:t/>
+            </a:r>
             <a:br>
               <a:rPr lang="en-US" sz="4400" dirty="0">
                 <a:latin typeface="Times New Roman" panose="02020603050405020304"/>
@@ -8630,6 +8632,15 @@
                 <a:sym typeface="Times New Roman" panose="02020603050405020304"/>
               </a:rPr>
             </a:br>
+            <a:r>
+              <a:rPr lang="en-US" sz="4400" dirty="0">
+                <a:latin typeface="Times New Roman" panose="02020603050405020304"/>
+                <a:ea typeface="Times New Roman" panose="02020603050405020304"/>
+                <a:cs typeface="Times New Roman" panose="02020603050405020304"/>
+                <a:sym typeface="Times New Roman" panose="02020603050405020304"/>
+              </a:rPr>
+              <a:t/>
+            </a:r>
             <a:br>
               <a:rPr lang="en-US" sz="4400" dirty="0">
                 <a:latin typeface="Times New Roman" panose="02020603050405020304"/>
@@ -8950,7 +8961,7 @@
               </a:rPr>
               <a:t>RESULTS AND DEMONSTRATION</a:t>
             </a:r>
-            <a:br>
+            <a:r>
               <a:rPr lang="en-US" sz="4400" dirty="0">
                 <a:solidFill>
                   <a:schemeClr val="tx1"/>
@@ -8960,7 +8971,28 @@
                 <a:cs typeface="Times New Roman" panose="02020603050405020304"/>
                 <a:sym typeface="Times New Roman" panose="02020603050405020304"/>
               </a:rPr>
+              <a:t/>
+            </a:r>
+            <a:br>
+              <a:rPr lang="en-US" sz="4400" dirty="0">
+                <a:solidFill>
+                  <a:schemeClr val="tx1"/>
+                </a:solidFill>
+                <a:latin typeface="Times New Roman" panose="02020603050405020304"/>
+                <a:ea typeface="Times New Roman" panose="02020603050405020304"/>
+                <a:cs typeface="Times New Roman" panose="02020603050405020304"/>
+                <a:sym typeface="Times New Roman" panose="02020603050405020304"/>
+              </a:rPr>
             </a:br>
+            <a:r>
+              <a:rPr lang="en-US" sz="4400" dirty="0">
+                <a:latin typeface="Times New Roman" panose="02020603050405020304"/>
+                <a:ea typeface="Times New Roman" panose="02020603050405020304"/>
+                <a:cs typeface="Times New Roman" panose="02020603050405020304"/>
+                <a:sym typeface="Times New Roman" panose="02020603050405020304"/>
+              </a:rPr>
+              <a:t/>
+            </a:r>
             <a:br>
               <a:rPr lang="en-US" sz="4400" dirty="0">
                 <a:latin typeface="Times New Roman" panose="02020603050405020304"/>
@@ -8969,6 +9001,15 @@
                 <a:sym typeface="Times New Roman" panose="02020603050405020304"/>
               </a:rPr>
             </a:br>
+            <a:r>
+              <a:rPr lang="en-US" sz="4400" dirty="0">
+                <a:latin typeface="Times New Roman" panose="02020603050405020304"/>
+                <a:ea typeface="Times New Roman" panose="02020603050405020304"/>
+                <a:cs typeface="Times New Roman" panose="02020603050405020304"/>
+                <a:sym typeface="Times New Roman" panose="02020603050405020304"/>
+              </a:rPr>
+              <a:t/>
+            </a:r>
             <a:br>
               <a:rPr lang="en-US" sz="4400" dirty="0">
                 <a:latin typeface="Times New Roman" panose="02020603050405020304"/>
@@ -8977,6 +9018,15 @@
                 <a:sym typeface="Times New Roman" panose="02020603050405020304"/>
               </a:rPr>
             </a:br>
+            <a:r>
+              <a:rPr lang="en-US" sz="4400" dirty="0">
+                <a:latin typeface="Times New Roman" panose="02020603050405020304"/>
+                <a:ea typeface="Times New Roman" panose="02020603050405020304"/>
+                <a:cs typeface="Times New Roman" panose="02020603050405020304"/>
+                <a:sym typeface="Times New Roman" panose="02020603050405020304"/>
+              </a:rPr>
+              <a:t/>
+            </a:r>
             <a:br>
               <a:rPr lang="en-US" sz="4400" dirty="0">
                 <a:latin typeface="Times New Roman" panose="02020603050405020304"/>
@@ -9308,7 +9358,7 @@
                 <a:sym typeface="Times New Roman" panose="02020603050405020304"/>
               </a:rPr>
             </a:br>
-            <a:br>
+            <a:r>
               <a:rPr lang="en-US" sz="4400" dirty="0">
                 <a:solidFill>
                   <a:schemeClr val="tx1"/>
@@ -9318,7 +9368,28 @@
                 <a:cs typeface="Times New Roman" panose="02020603050405020304"/>
                 <a:sym typeface="Times New Roman" panose="02020603050405020304"/>
               </a:rPr>
+              <a:t/>
+            </a:r>
+            <a:br>
+              <a:rPr lang="en-US" sz="4400" dirty="0">
+                <a:solidFill>
+                  <a:schemeClr val="tx1"/>
+                </a:solidFill>
+                <a:latin typeface="Times New Roman" panose="02020603050405020304"/>
+                <a:ea typeface="Times New Roman" panose="02020603050405020304"/>
+                <a:cs typeface="Times New Roman" panose="02020603050405020304"/>
+                <a:sym typeface="Times New Roman" panose="02020603050405020304"/>
+              </a:rPr>
             </a:br>
+            <a:r>
+              <a:rPr lang="en-US" sz="4400" dirty="0">
+                <a:latin typeface="Times New Roman" panose="02020603050405020304"/>
+                <a:ea typeface="Times New Roman" panose="02020603050405020304"/>
+                <a:cs typeface="Times New Roman" panose="02020603050405020304"/>
+                <a:sym typeface="Times New Roman" panose="02020603050405020304"/>
+              </a:rPr>
+              <a:t/>
+            </a:r>
             <a:br>
               <a:rPr lang="en-US" sz="4400" dirty="0">
                 <a:latin typeface="Times New Roman" panose="02020603050405020304"/>
@@ -9327,6 +9398,15 @@
                 <a:sym typeface="Times New Roman" panose="02020603050405020304"/>
               </a:rPr>
             </a:br>
+            <a:r>
+              <a:rPr lang="en-US" sz="4400" dirty="0">
+                <a:latin typeface="Times New Roman" panose="02020603050405020304"/>
+                <a:ea typeface="Times New Roman" panose="02020603050405020304"/>
+                <a:cs typeface="Times New Roman" panose="02020603050405020304"/>
+                <a:sym typeface="Times New Roman" panose="02020603050405020304"/>
+              </a:rPr>
+              <a:t/>
+            </a:r>
             <a:br>
               <a:rPr lang="en-US" sz="4400" dirty="0">
                 <a:latin typeface="Times New Roman" panose="02020603050405020304"/>
@@ -9335,6 +9415,15 @@
                 <a:sym typeface="Times New Roman" panose="02020603050405020304"/>
               </a:rPr>
             </a:br>
+            <a:r>
+              <a:rPr lang="en-US" sz="4400" dirty="0">
+                <a:latin typeface="Times New Roman" panose="02020603050405020304"/>
+                <a:ea typeface="Times New Roman" panose="02020603050405020304"/>
+                <a:cs typeface="Times New Roman" panose="02020603050405020304"/>
+                <a:sym typeface="Times New Roman" panose="02020603050405020304"/>
+              </a:rPr>
+              <a:t/>
+            </a:r>
             <a:br>
               <a:rPr lang="en-US" sz="4400" dirty="0">
                 <a:latin typeface="Times New Roman" panose="02020603050405020304"/>
@@ -10123,6 +10212,15 @@
               </a:rPr>
               <a:t>INTRODUCTION</a:t>
             </a:r>
+            <a:r>
+              <a:rPr lang="en-US" sz="4400" dirty="0">
+                <a:latin typeface="Times New Roman" panose="02020603050405020304"/>
+                <a:ea typeface="Times New Roman" panose="02020603050405020304"/>
+                <a:cs typeface="Times New Roman" panose="02020603050405020304"/>
+                <a:sym typeface="Times New Roman" panose="02020603050405020304"/>
+              </a:rPr>
+              <a:t/>
+            </a:r>
             <a:br>
               <a:rPr lang="en-US" sz="4400" dirty="0">
                 <a:latin typeface="Times New Roman" panose="02020603050405020304"/>
@@ -10428,6 +10526,15 @@
               </a:rPr>
               <a:t>OBJECTIVES</a:t>
             </a:r>
+            <a:r>
+              <a:rPr lang="en-US" sz="4400" dirty="0">
+                <a:latin typeface="Times New Roman" panose="02020603050405020304"/>
+                <a:ea typeface="Times New Roman" panose="02020603050405020304"/>
+                <a:cs typeface="Times New Roman" panose="02020603050405020304"/>
+                <a:sym typeface="Times New Roman" panose="02020603050405020304"/>
+              </a:rPr>
+              <a:t/>
+            </a:r>
             <a:br>
               <a:rPr lang="en-US" sz="4400" dirty="0">
                 <a:latin typeface="Times New Roman" panose="02020603050405020304"/>
@@ -10436,6 +10543,15 @@
                 <a:sym typeface="Times New Roman" panose="02020603050405020304"/>
               </a:rPr>
             </a:br>
+            <a:r>
+              <a:rPr lang="en-US" sz="4400" dirty="0">
+                <a:latin typeface="Times New Roman" panose="02020603050405020304"/>
+                <a:ea typeface="Times New Roman" panose="02020603050405020304"/>
+                <a:cs typeface="Times New Roman" panose="02020603050405020304"/>
+                <a:sym typeface="Times New Roman" panose="02020603050405020304"/>
+              </a:rPr>
+              <a:t/>
+            </a:r>
             <a:br>
               <a:rPr lang="en-US" sz="4400" dirty="0">
                 <a:latin typeface="Times New Roman" panose="02020603050405020304"/>
@@ -10981,6 +11097,15 @@
               </a:rPr>
               <a:t>PROBLEM STATEMENT</a:t>
             </a:r>
+            <a:r>
+              <a:rPr lang="en-US" sz="4400" dirty="0">
+                <a:latin typeface="Times New Roman" panose="02020603050405020304"/>
+                <a:ea typeface="Times New Roman" panose="02020603050405020304"/>
+                <a:cs typeface="Times New Roman" panose="02020603050405020304"/>
+                <a:sym typeface="Times New Roman" panose="02020603050405020304"/>
+              </a:rPr>
+              <a:t/>
+            </a:r>
             <a:br>
               <a:rPr lang="en-US" sz="4400" dirty="0">
                 <a:latin typeface="Times New Roman" panose="02020603050405020304"/>
@@ -10989,6 +11114,15 @@
                 <a:sym typeface="Times New Roman" panose="02020603050405020304"/>
               </a:rPr>
             </a:br>
+            <a:r>
+              <a:rPr lang="en-US" sz="4400" dirty="0">
+                <a:latin typeface="Times New Roman" panose="02020603050405020304"/>
+                <a:ea typeface="Times New Roman" panose="02020603050405020304"/>
+                <a:cs typeface="Times New Roman" panose="02020603050405020304"/>
+                <a:sym typeface="Times New Roman" panose="02020603050405020304"/>
+              </a:rPr>
+              <a:t/>
+            </a:r>
             <a:br>
               <a:rPr lang="en-US" sz="4400" dirty="0">
                 <a:latin typeface="Times New Roman" panose="02020603050405020304"/>
@@ -10997,6 +11131,15 @@
                 <a:sym typeface="Times New Roman" panose="02020603050405020304"/>
               </a:rPr>
             </a:br>
+            <a:r>
+              <a:rPr lang="en-US" sz="4400" dirty="0">
+                <a:latin typeface="Times New Roman" panose="02020603050405020304"/>
+                <a:ea typeface="Times New Roman" panose="02020603050405020304"/>
+                <a:cs typeface="Times New Roman" panose="02020603050405020304"/>
+                <a:sym typeface="Times New Roman" panose="02020603050405020304"/>
+              </a:rPr>
+              <a:t/>
+            </a:r>
             <a:br>
               <a:rPr lang="en-US" sz="4400" dirty="0">
                 <a:latin typeface="Times New Roman" panose="02020603050405020304"/>
@@ -11336,6 +11479,15 @@
               </a:rPr>
               <a:t>METHODOLOGY</a:t>
             </a:r>
+            <a:r>
+              <a:rPr lang="en-US" sz="4400" dirty="0">
+                <a:latin typeface="Times New Roman" panose="02020603050405020304"/>
+                <a:ea typeface="Times New Roman" panose="02020603050405020304"/>
+                <a:cs typeface="Times New Roman" panose="02020603050405020304"/>
+                <a:sym typeface="Times New Roman" panose="02020603050405020304"/>
+              </a:rPr>
+              <a:t/>
+            </a:r>
             <a:br>
               <a:rPr lang="en-US" sz="4400" dirty="0">
                 <a:latin typeface="Times New Roman" panose="02020603050405020304"/>
@@ -11344,6 +11496,15 @@
                 <a:sym typeface="Times New Roman" panose="02020603050405020304"/>
               </a:rPr>
             </a:br>
+            <a:r>
+              <a:rPr lang="en-US" sz="4400" dirty="0">
+                <a:latin typeface="Times New Roman" panose="02020603050405020304"/>
+                <a:ea typeface="Times New Roman" panose="02020603050405020304"/>
+                <a:cs typeface="Times New Roman" panose="02020603050405020304"/>
+                <a:sym typeface="Times New Roman" panose="02020603050405020304"/>
+              </a:rPr>
+              <a:t/>
+            </a:r>
             <a:br>
               <a:rPr lang="en-US" sz="4400" dirty="0">
                 <a:latin typeface="Times New Roman" panose="02020603050405020304"/>
@@ -11352,6 +11513,15 @@
                 <a:sym typeface="Times New Roman" panose="02020603050405020304"/>
               </a:rPr>
             </a:br>
+            <a:r>
+              <a:rPr lang="en-US" sz="4400" dirty="0">
+                <a:latin typeface="Times New Roman" panose="02020603050405020304"/>
+                <a:ea typeface="Times New Roman" panose="02020603050405020304"/>
+                <a:cs typeface="Times New Roman" panose="02020603050405020304"/>
+                <a:sym typeface="Times New Roman" panose="02020603050405020304"/>
+              </a:rPr>
+              <a:t/>
+            </a:r>
             <a:br>
               <a:rPr lang="en-US" sz="4400" dirty="0">
                 <a:latin typeface="Times New Roman" panose="02020603050405020304"/>
@@ -11360,6 +11530,15 @@
                 <a:sym typeface="Times New Roman" panose="02020603050405020304"/>
               </a:rPr>
             </a:br>
+            <a:r>
+              <a:rPr lang="en-US" sz="4400" dirty="0">
+                <a:latin typeface="Times New Roman" panose="02020603050405020304"/>
+                <a:ea typeface="Times New Roman" panose="02020603050405020304"/>
+                <a:cs typeface="Times New Roman" panose="02020603050405020304"/>
+                <a:sym typeface="Times New Roman" panose="02020603050405020304"/>
+              </a:rPr>
+              <a:t/>
+            </a:r>
             <a:br>
               <a:rPr lang="en-US" sz="4400" dirty="0">
                 <a:latin typeface="Times New Roman" panose="02020603050405020304"/>
@@ -11727,6 +11906,15 @@
                 <a:sym typeface="Times New Roman" panose="02020603050405020304"/>
               </a:rPr>
             </a:br>
+            <a:r>
+              <a:rPr lang="en-US" sz="4400" dirty="0">
+                <a:latin typeface="Times New Roman" panose="02020603050405020304"/>
+                <a:ea typeface="Times New Roman" panose="02020603050405020304"/>
+                <a:cs typeface="Times New Roman" panose="02020603050405020304"/>
+                <a:sym typeface="Times New Roman" panose="02020603050405020304"/>
+              </a:rPr>
+              <a:t/>
+            </a:r>
             <a:br>
               <a:rPr lang="en-US" sz="4400" dirty="0">
                 <a:latin typeface="Times New Roman" panose="02020603050405020304"/>
@@ -11735,6 +11923,15 @@
                 <a:sym typeface="Times New Roman" panose="02020603050405020304"/>
               </a:rPr>
             </a:br>
+            <a:r>
+              <a:rPr lang="en-US" sz="4400" dirty="0">
+                <a:latin typeface="Times New Roman" panose="02020603050405020304"/>
+                <a:ea typeface="Times New Roman" panose="02020603050405020304"/>
+                <a:cs typeface="Times New Roman" panose="02020603050405020304"/>
+                <a:sym typeface="Times New Roman" panose="02020603050405020304"/>
+              </a:rPr>
+              <a:t/>
+            </a:r>
             <a:br>
               <a:rPr lang="en-US" sz="4400" dirty="0">
                 <a:latin typeface="Times New Roman" panose="02020603050405020304"/>
@@ -11743,6 +11940,15 @@
                 <a:sym typeface="Times New Roman" panose="02020603050405020304"/>
               </a:rPr>
             </a:br>
+            <a:r>
+              <a:rPr lang="en-US" sz="4400" dirty="0">
+                <a:latin typeface="Times New Roman" panose="02020603050405020304"/>
+                <a:ea typeface="Times New Roman" panose="02020603050405020304"/>
+                <a:cs typeface="Times New Roman" panose="02020603050405020304"/>
+                <a:sym typeface="Times New Roman" panose="02020603050405020304"/>
+              </a:rPr>
+              <a:t/>
+            </a:r>
             <a:br>
               <a:rPr lang="en-US" sz="4400" dirty="0">
                 <a:latin typeface="Times New Roman" panose="02020603050405020304"/>
@@ -12055,7 +12261,7 @@
               </a:rPr>
               <a:t>RESULTS AND DEMONSTRATION</a:t>
             </a:r>
-            <a:br>
+            <a:r>
               <a:rPr lang="en-US" sz="4400" dirty="0">
                 <a:solidFill>
                   <a:schemeClr val="tx1"/>
@@ -12065,7 +12271,28 @@
                 <a:cs typeface="Times New Roman" panose="02020603050405020304"/>
                 <a:sym typeface="Times New Roman" panose="02020603050405020304"/>
               </a:rPr>
+              <a:t/>
+            </a:r>
+            <a:br>
+              <a:rPr lang="en-US" sz="4400" dirty="0">
+                <a:solidFill>
+                  <a:schemeClr val="tx1"/>
+                </a:solidFill>
+                <a:latin typeface="Times New Roman" panose="02020603050405020304"/>
+                <a:ea typeface="Times New Roman" panose="02020603050405020304"/>
+                <a:cs typeface="Times New Roman" panose="02020603050405020304"/>
+                <a:sym typeface="Times New Roman" panose="02020603050405020304"/>
+              </a:rPr>
             </a:br>
+            <a:r>
+              <a:rPr lang="en-US" sz="4400" dirty="0">
+                <a:latin typeface="Times New Roman" panose="02020603050405020304"/>
+                <a:ea typeface="Times New Roman" panose="02020603050405020304"/>
+                <a:cs typeface="Times New Roman" panose="02020603050405020304"/>
+                <a:sym typeface="Times New Roman" panose="02020603050405020304"/>
+              </a:rPr>
+              <a:t/>
+            </a:r>
             <a:br>
               <a:rPr lang="en-US" sz="4400" dirty="0">
                 <a:latin typeface="Times New Roman" panose="02020603050405020304"/>
@@ -12074,6 +12301,15 @@
                 <a:sym typeface="Times New Roman" panose="02020603050405020304"/>
               </a:rPr>
             </a:br>
+            <a:r>
+              <a:rPr lang="en-US" sz="4400" dirty="0">
+                <a:latin typeface="Times New Roman" panose="02020603050405020304"/>
+                <a:ea typeface="Times New Roman" panose="02020603050405020304"/>
+                <a:cs typeface="Times New Roman" panose="02020603050405020304"/>
+                <a:sym typeface="Times New Roman" panose="02020603050405020304"/>
+              </a:rPr>
+              <a:t/>
+            </a:r>
             <a:br>
               <a:rPr lang="en-US" sz="4400" dirty="0">
                 <a:latin typeface="Times New Roman" panose="02020603050405020304"/>
@@ -12082,6 +12318,15 @@
                 <a:sym typeface="Times New Roman" panose="02020603050405020304"/>
               </a:rPr>
             </a:br>
+            <a:r>
+              <a:rPr lang="en-US" sz="4400" dirty="0">
+                <a:latin typeface="Times New Roman" panose="02020603050405020304"/>
+                <a:ea typeface="Times New Roman" panose="02020603050405020304"/>
+                <a:cs typeface="Times New Roman" panose="02020603050405020304"/>
+                <a:sym typeface="Times New Roman" panose="02020603050405020304"/>
+              </a:rPr>
+              <a:t/>
+            </a:r>
             <a:br>
               <a:rPr lang="en-US" sz="4400" dirty="0">
                 <a:latin typeface="Times New Roman" panose="02020603050405020304"/>
@@ -12389,7 +12634,7 @@
               </a:rPr>
               <a:t>RESULTS AND DEMONSTRATION</a:t>
             </a:r>
-            <a:br>
+            <a:r>
               <a:rPr lang="en-US" sz="4400" dirty="0">
                 <a:solidFill>
                   <a:schemeClr val="tx1"/>
@@ -12399,7 +12644,28 @@
                 <a:cs typeface="Times New Roman" panose="02020603050405020304"/>
                 <a:sym typeface="Times New Roman" panose="02020603050405020304"/>
               </a:rPr>
+              <a:t/>
+            </a:r>
+            <a:br>
+              <a:rPr lang="en-US" sz="4400" dirty="0">
+                <a:solidFill>
+                  <a:schemeClr val="tx1"/>
+                </a:solidFill>
+                <a:latin typeface="Times New Roman" panose="02020603050405020304"/>
+                <a:ea typeface="Times New Roman" panose="02020603050405020304"/>
+                <a:cs typeface="Times New Roman" panose="02020603050405020304"/>
+                <a:sym typeface="Times New Roman" panose="02020603050405020304"/>
+              </a:rPr>
             </a:br>
+            <a:r>
+              <a:rPr lang="en-US" sz="4400" dirty="0">
+                <a:latin typeface="Times New Roman" panose="02020603050405020304"/>
+                <a:ea typeface="Times New Roman" panose="02020603050405020304"/>
+                <a:cs typeface="Times New Roman" panose="02020603050405020304"/>
+                <a:sym typeface="Times New Roman" panose="02020603050405020304"/>
+              </a:rPr>
+              <a:t/>
+            </a:r>
             <a:br>
               <a:rPr lang="en-US" sz="4400" dirty="0">
                 <a:latin typeface="Times New Roman" panose="02020603050405020304"/>
@@ -12408,6 +12674,15 @@
                 <a:sym typeface="Times New Roman" panose="02020603050405020304"/>
               </a:rPr>
             </a:br>
+            <a:r>
+              <a:rPr lang="en-US" sz="4400" dirty="0">
+                <a:latin typeface="Times New Roman" panose="02020603050405020304"/>
+                <a:ea typeface="Times New Roman" panose="02020603050405020304"/>
+                <a:cs typeface="Times New Roman" panose="02020603050405020304"/>
+                <a:sym typeface="Times New Roman" panose="02020603050405020304"/>
+              </a:rPr>
+              <a:t/>
+            </a:r>
             <a:br>
               <a:rPr lang="en-US" sz="4400" dirty="0">
                 <a:latin typeface="Times New Roman" panose="02020603050405020304"/>
@@ -12416,6 +12691,15 @@
                 <a:sym typeface="Times New Roman" panose="02020603050405020304"/>
               </a:rPr>
             </a:br>
+            <a:r>
+              <a:rPr lang="en-US" sz="4400" dirty="0">
+                <a:latin typeface="Times New Roman" panose="02020603050405020304"/>
+                <a:ea typeface="Times New Roman" panose="02020603050405020304"/>
+                <a:cs typeface="Times New Roman" panose="02020603050405020304"/>
+                <a:sym typeface="Times New Roman" panose="02020603050405020304"/>
+              </a:rPr>
+              <a:t/>
+            </a:r>
             <a:br>
               <a:rPr lang="en-US" sz="4400" dirty="0">
                 <a:latin typeface="Times New Roman" panose="02020603050405020304"/>
